--- a/LSTAT2340-transcriptomique.pptx
+++ b/LSTAT2340-transcriptomique.pptx
@@ -265,7 +265,7 @@
           <a:p>
             <a:fld id="{8A6DD4CB-3F80-4387-8B30-E13B5A68B2F9}" type="datetimeFigureOut">
               <a:rPr lang="fr-BE" smtClean="0"/>
-              <a:t>22-02-21</a:t>
+              <a:t>19-02-24</a:t>
             </a:fld>
             <a:endParaRPr lang="fr-BE"/>
           </a:p>
@@ -465,7 +465,7 @@
           <a:p>
             <a:fld id="{8A6DD4CB-3F80-4387-8B30-E13B5A68B2F9}" type="datetimeFigureOut">
               <a:rPr lang="fr-BE" smtClean="0"/>
-              <a:t>22-02-21</a:t>
+              <a:t>19-02-24</a:t>
             </a:fld>
             <a:endParaRPr lang="fr-BE"/>
           </a:p>
@@ -675,7 +675,7 @@
           <a:p>
             <a:fld id="{8A6DD4CB-3F80-4387-8B30-E13B5A68B2F9}" type="datetimeFigureOut">
               <a:rPr lang="fr-BE" smtClean="0"/>
-              <a:t>22-02-21</a:t>
+              <a:t>19-02-24</a:t>
             </a:fld>
             <a:endParaRPr lang="fr-BE"/>
           </a:p>
@@ -875,7 +875,7 @@
           <a:p>
             <a:fld id="{8A6DD4CB-3F80-4387-8B30-E13B5A68B2F9}" type="datetimeFigureOut">
               <a:rPr lang="fr-BE" smtClean="0"/>
-              <a:t>22-02-21</a:t>
+              <a:t>19-02-24</a:t>
             </a:fld>
             <a:endParaRPr lang="fr-BE"/>
           </a:p>
@@ -1151,7 +1151,7 @@
           <a:p>
             <a:fld id="{8A6DD4CB-3F80-4387-8B30-E13B5A68B2F9}" type="datetimeFigureOut">
               <a:rPr lang="fr-BE" smtClean="0"/>
-              <a:t>22-02-21</a:t>
+              <a:t>19-02-24</a:t>
             </a:fld>
             <a:endParaRPr lang="fr-BE"/>
           </a:p>
@@ -1419,7 +1419,7 @@
           <a:p>
             <a:fld id="{8A6DD4CB-3F80-4387-8B30-E13B5A68B2F9}" type="datetimeFigureOut">
               <a:rPr lang="fr-BE" smtClean="0"/>
-              <a:t>22-02-21</a:t>
+              <a:t>19-02-24</a:t>
             </a:fld>
             <a:endParaRPr lang="fr-BE"/>
           </a:p>
@@ -1834,7 +1834,7 @@
           <a:p>
             <a:fld id="{8A6DD4CB-3F80-4387-8B30-E13B5A68B2F9}" type="datetimeFigureOut">
               <a:rPr lang="fr-BE" smtClean="0"/>
-              <a:t>22-02-21</a:t>
+              <a:t>19-02-24</a:t>
             </a:fld>
             <a:endParaRPr lang="fr-BE"/>
           </a:p>
@@ -1976,7 +1976,7 @@
           <a:p>
             <a:fld id="{8A6DD4CB-3F80-4387-8B30-E13B5A68B2F9}" type="datetimeFigureOut">
               <a:rPr lang="fr-BE" smtClean="0"/>
-              <a:t>22-02-21</a:t>
+              <a:t>19-02-24</a:t>
             </a:fld>
             <a:endParaRPr lang="fr-BE"/>
           </a:p>
@@ -2089,7 +2089,7 @@
           <a:p>
             <a:fld id="{8A6DD4CB-3F80-4387-8B30-E13B5A68B2F9}" type="datetimeFigureOut">
               <a:rPr lang="fr-BE" smtClean="0"/>
-              <a:t>22-02-21</a:t>
+              <a:t>19-02-24</a:t>
             </a:fld>
             <a:endParaRPr lang="fr-BE"/>
           </a:p>
@@ -2402,7 +2402,7 @@
           <a:p>
             <a:fld id="{8A6DD4CB-3F80-4387-8B30-E13B5A68B2F9}" type="datetimeFigureOut">
               <a:rPr lang="fr-BE" smtClean="0"/>
-              <a:t>22-02-21</a:t>
+              <a:t>19-02-24</a:t>
             </a:fld>
             <a:endParaRPr lang="fr-BE"/>
           </a:p>
@@ -2691,7 +2691,7 @@
           <a:p>
             <a:fld id="{8A6DD4CB-3F80-4387-8B30-E13B5A68B2F9}" type="datetimeFigureOut">
               <a:rPr lang="fr-BE" smtClean="0"/>
-              <a:t>22-02-21</a:t>
+              <a:t>19-02-24</a:t>
             </a:fld>
             <a:endParaRPr lang="fr-BE"/>
           </a:p>
@@ -2934,7 +2934,7 @@
           <a:p>
             <a:fld id="{8A6DD4CB-3F80-4387-8B30-E13B5A68B2F9}" type="datetimeFigureOut">
               <a:rPr lang="fr-BE" smtClean="0"/>
-              <a:t>22-02-21</a:t>
+              <a:t>19-02-24</a:t>
             </a:fld>
             <a:endParaRPr lang="fr-BE"/>
           </a:p>
@@ -3394,7 +3394,7 @@
             <a:pPr algn="r"/>
             <a:r>
               <a:rPr lang="fr-FR" sz="2400" dirty="0"/>
-              <a:t>Février 2021</a:t>
+              <a:t>Février 2024</a:t>
             </a:r>
           </a:p>
           <a:p>

--- a/LSTAT2340-transcriptomique.pptx
+++ b/LSTAT2340-transcriptomique.pptx
@@ -3922,7 +3922,7 @@
             </a:r>
             <a:r>
               <a:rPr lang="en-US" sz="3200" b="1" dirty="0"/>
-              <a:t>: AND, ARN, </a:t>
+              <a:t>: ADN, ARN, </a:t>
             </a:r>
             <a:r>
               <a:rPr lang="en-US" sz="3200" b="1" dirty="0" err="1"/>
